--- a/muglyon-signalR.pptx
+++ b/muglyon-signalR.pptx
@@ -427,7 +427,7 @@
             <a:fld id="{AECD2893-674E-4467-B2F6-F1AA0EC2535E}" type="datetimeFigureOut">
               <a:rPr lang="fr-FR" smtClean="0"/>
               <a:pPr/>
-              <a:t>28/02/2013</a:t>
+              <a:t>04/04/2014</a:t>
             </a:fld>
             <a:endParaRPr lang="fr-FR"/>
           </a:p>
@@ -614,7 +614,7 @@
             <a:fld id="{AECD2893-674E-4467-B2F6-F1AA0EC2535E}" type="datetimeFigureOut">
               <a:rPr lang="fr-FR" smtClean="0"/>
               <a:pPr/>
-              <a:t>28/02/2013</a:t>
+              <a:t>04/04/2014</a:t>
             </a:fld>
             <a:endParaRPr lang="fr-FR"/>
           </a:p>
@@ -801,7 +801,7 @@
             <a:fld id="{AECD2893-674E-4467-B2F6-F1AA0EC2535E}" type="datetimeFigureOut">
               <a:rPr lang="fr-FR" smtClean="0"/>
               <a:pPr/>
-              <a:t>28/02/2013</a:t>
+              <a:t>04/04/2014</a:t>
             </a:fld>
             <a:endParaRPr lang="fr-FR"/>
           </a:p>
@@ -988,7 +988,7 @@
             <a:fld id="{AECD2893-674E-4467-B2F6-F1AA0EC2535E}" type="datetimeFigureOut">
               <a:rPr lang="fr-FR" smtClean="0"/>
               <a:pPr/>
-              <a:t>28/02/2013</a:t>
+              <a:t>04/04/2014</a:t>
             </a:fld>
             <a:endParaRPr lang="fr-FR"/>
           </a:p>
@@ -1371,7 +1371,7 @@
             <a:fld id="{AECD2893-674E-4467-B2F6-F1AA0EC2535E}" type="datetimeFigureOut">
               <a:rPr lang="fr-FR" smtClean="0"/>
               <a:pPr/>
-              <a:t>28/02/2013</a:t>
+              <a:t>04/04/2014</a:t>
             </a:fld>
             <a:endParaRPr lang="fr-FR"/>
           </a:p>
@@ -1642,7 +1642,7 @@
             <a:fld id="{AECD2893-674E-4467-B2F6-F1AA0EC2535E}" type="datetimeFigureOut">
               <a:rPr lang="fr-FR" smtClean="0"/>
               <a:pPr/>
-              <a:t>28/02/2013</a:t>
+              <a:t>04/04/2014</a:t>
             </a:fld>
             <a:endParaRPr lang="fr-FR"/>
           </a:p>
@@ -2029,7 +2029,7 @@
             <a:fld id="{AECD2893-674E-4467-B2F6-F1AA0EC2535E}" type="datetimeFigureOut">
               <a:rPr lang="fr-FR" smtClean="0"/>
               <a:pPr/>
-              <a:t>28/02/2013</a:t>
+              <a:t>04/04/2014</a:t>
             </a:fld>
             <a:endParaRPr lang="fr-FR"/>
           </a:p>
@@ -2152,7 +2152,7 @@
             <a:fld id="{AECD2893-674E-4467-B2F6-F1AA0EC2535E}" type="datetimeFigureOut">
               <a:rPr lang="fr-FR" smtClean="0"/>
               <a:pPr/>
-              <a:t>28/02/2013</a:t>
+              <a:t>04/04/2014</a:t>
             </a:fld>
             <a:endParaRPr lang="fr-FR"/>
           </a:p>
@@ -2334,7 +2334,7 @@
             <a:fld id="{AECD2893-674E-4467-B2F6-F1AA0EC2535E}" type="datetimeFigureOut">
               <a:rPr lang="fr-FR" smtClean="0"/>
               <a:pPr/>
-              <a:t>28/02/2013</a:t>
+              <a:t>04/04/2014</a:t>
             </a:fld>
             <a:endParaRPr lang="fr-FR"/>
           </a:p>
@@ -2670,7 +2670,7 @@
             <a:fld id="{AECD2893-674E-4467-B2F6-F1AA0EC2535E}" type="datetimeFigureOut">
               <a:rPr lang="fr-FR" smtClean="0"/>
               <a:pPr/>
-              <a:t>28/02/2013</a:t>
+              <a:t>04/04/2014</a:t>
             </a:fld>
             <a:endParaRPr lang="fr-FR"/>
           </a:p>
@@ -3041,7 +3041,7 @@
             <a:fld id="{AECD2893-674E-4467-B2F6-F1AA0EC2535E}" type="datetimeFigureOut">
               <a:rPr lang="fr-FR" smtClean="0"/>
               <a:pPr/>
-              <a:t>28/02/2013</a:t>
+              <a:t>04/04/2014</a:t>
             </a:fld>
             <a:endParaRPr lang="fr-FR"/>
           </a:p>
@@ -3461,7 +3461,7 @@
             <a:fld id="{AECD2893-674E-4467-B2F6-F1AA0EC2535E}" type="datetimeFigureOut">
               <a:rPr lang="fr-FR" smtClean="0"/>
               <a:pPr/>
-              <a:t>28/02/2013</a:t>
+              <a:t>04/04/2014</a:t>
             </a:fld>
             <a:endParaRPr lang="fr-FR"/>
           </a:p>
@@ -3933,6 +3933,10 @@
               <a:rPr lang="fr-FR" dirty="0" err="1" smtClean="0"/>
               <a:t>SignalR</a:t>
             </a:r>
+            <a:r>
+              <a:rPr lang="fr-FR" smtClean="0"/>
+              <a:t> </a:t>
+            </a:r>
             <a:endParaRPr lang="fr-FR" dirty="0"/>
           </a:p>
         </p:txBody>
@@ -6436,7 +6440,6 @@
               <a:rPr lang="fr-FR" dirty="0" smtClean="0"/>
               <a:t> balancer / </a:t>
             </a:r>
-            <a:endParaRPr lang="fr-FR" dirty="0" smtClean="0"/>
           </a:p>
           <a:p>
             <a:pPr>
@@ -6444,11 +6447,7 @@
             </a:pPr>
             <a:r>
               <a:rPr lang="fr-FR" dirty="0" smtClean="0"/>
-              <a:t>reverse </a:t>
-            </a:r>
-            <a:r>
-              <a:rPr lang="fr-FR" dirty="0" smtClean="0"/>
-              <a:t>proxy compatible</a:t>
+              <a:t>reverse proxy compatible</a:t>
             </a:r>
           </a:p>
           <a:p>
@@ -6459,7 +6458,6 @@
               <a:rPr lang="fr-FR" dirty="0" smtClean="0"/>
               <a:t>Client proxy server / </a:t>
             </a:r>
-            <a:endParaRPr lang="fr-FR" dirty="0" smtClean="0"/>
           </a:p>
           <a:p>
             <a:pPr>
@@ -6467,11 +6465,7 @@
             </a:pPr>
             <a:r>
               <a:rPr lang="fr-FR" dirty="0" smtClean="0"/>
-              <a:t>NAT </a:t>
-            </a:r>
-            <a:r>
-              <a:rPr lang="fr-FR" dirty="0" smtClean="0"/>
-              <a:t>compatible</a:t>
+              <a:t>NAT compatible</a:t>
             </a:r>
           </a:p>
           <a:p>
@@ -6605,7 +6599,6 @@
               <a:rPr lang="fr-FR" dirty="0" smtClean="0"/>
               <a:t>Deux niveaux </a:t>
             </a:r>
-            <a:endParaRPr lang="fr-FR" dirty="0" smtClean="0"/>
           </a:p>
           <a:p>
             <a:pPr>
@@ -6615,7 +6608,6 @@
               <a:rPr lang="fr-FR" dirty="0" smtClean="0"/>
               <a:t>d'abstractions</a:t>
             </a:r>
-            <a:endParaRPr lang="fr-FR" dirty="0" smtClean="0"/>
           </a:p>
           <a:p>
             <a:pPr lvl="1"/>
@@ -6648,7 +6640,6 @@
               <a:rPr lang="fr-FR" dirty="0" smtClean="0"/>
               <a:t> </a:t>
             </a:r>
-            <a:endParaRPr lang="fr-FR" dirty="0" smtClean="0"/>
           </a:p>
           <a:p>
             <a:pPr>
@@ -6656,11 +6647,7 @@
             </a:pPr>
             <a:r>
               <a:rPr lang="fr-FR" sz="2000" dirty="0" smtClean="0"/>
-              <a:t>(</a:t>
-            </a:r>
-            <a:r>
-              <a:rPr lang="fr-FR" sz="2000" dirty="0" smtClean="0"/>
-              <a:t>JSONP ou CORS)</a:t>
+              <a:t>(JSONP ou CORS)</a:t>
             </a:r>
             <a:endParaRPr lang="fr-FR" dirty="0" smtClean="0"/>
           </a:p>
